--- a/pictures/Paper Prototype.pptx
+++ b/pictures/Paper Prototype.pptx
@@ -9,6 +9,7 @@
     <p:sldId id="257" r:id="rId3"/>
     <p:sldId id="258" r:id="rId4"/>
     <p:sldId id="259" r:id="rId5"/>
+    <p:sldId id="260" r:id="rId6"/>
   </p:sldIdLst>
   <p:sldSz cx="9144000" cy="6858000" type="screen4x3"/>
   <p:notesSz cx="6858000" cy="9144000"/>
@@ -292,7 +293,7 @@
             <a:fld id="{9A74CC22-6C46-4257-8CA6-CFD3CE7F77C5}" type="datetimeFigureOut">
               <a:rPr lang="en-US" smtClean="0"/>
               <a:pPr/>
-              <a:t>9/9/2014</a:t>
+              <a:t>11/30/2014</a:t>
             </a:fld>
             <a:endParaRPr lang="en-US"/>
           </a:p>
@@ -459,7 +460,7 @@
             <a:fld id="{9A74CC22-6C46-4257-8CA6-CFD3CE7F77C5}" type="datetimeFigureOut">
               <a:rPr lang="en-US" smtClean="0"/>
               <a:pPr/>
-              <a:t>9/9/2014</a:t>
+              <a:t>11/30/2014</a:t>
             </a:fld>
             <a:endParaRPr lang="en-US"/>
           </a:p>
@@ -636,7 +637,7 @@
             <a:fld id="{9A74CC22-6C46-4257-8CA6-CFD3CE7F77C5}" type="datetimeFigureOut">
               <a:rPr lang="en-US" smtClean="0"/>
               <a:pPr/>
-              <a:t>9/9/2014</a:t>
+              <a:t>11/30/2014</a:t>
             </a:fld>
             <a:endParaRPr lang="en-US"/>
           </a:p>
@@ -803,7 +804,7 @@
             <a:fld id="{9A74CC22-6C46-4257-8CA6-CFD3CE7F77C5}" type="datetimeFigureOut">
               <a:rPr lang="en-US" smtClean="0"/>
               <a:pPr/>
-              <a:t>9/9/2014</a:t>
+              <a:t>11/30/2014</a:t>
             </a:fld>
             <a:endParaRPr lang="en-US"/>
           </a:p>
@@ -1046,7 +1047,7 @@
             <a:fld id="{9A74CC22-6C46-4257-8CA6-CFD3CE7F77C5}" type="datetimeFigureOut">
               <a:rPr lang="en-US" smtClean="0"/>
               <a:pPr/>
-              <a:t>9/9/2014</a:t>
+              <a:t>11/30/2014</a:t>
             </a:fld>
             <a:endParaRPr lang="en-US"/>
           </a:p>
@@ -1331,7 +1332,7 @@
             <a:fld id="{9A74CC22-6C46-4257-8CA6-CFD3CE7F77C5}" type="datetimeFigureOut">
               <a:rPr lang="en-US" smtClean="0"/>
               <a:pPr/>
-              <a:t>9/9/2014</a:t>
+              <a:t>11/30/2014</a:t>
             </a:fld>
             <a:endParaRPr lang="en-US"/>
           </a:p>
@@ -1750,7 +1751,7 @@
             <a:fld id="{9A74CC22-6C46-4257-8CA6-CFD3CE7F77C5}" type="datetimeFigureOut">
               <a:rPr lang="en-US" smtClean="0"/>
               <a:pPr/>
-              <a:t>9/9/2014</a:t>
+              <a:t>11/30/2014</a:t>
             </a:fld>
             <a:endParaRPr lang="en-US"/>
           </a:p>
@@ -1865,7 +1866,7 @@
             <a:fld id="{9A74CC22-6C46-4257-8CA6-CFD3CE7F77C5}" type="datetimeFigureOut">
               <a:rPr lang="en-US" smtClean="0"/>
               <a:pPr/>
-              <a:t>9/9/2014</a:t>
+              <a:t>11/30/2014</a:t>
             </a:fld>
             <a:endParaRPr lang="en-US"/>
           </a:p>
@@ -1957,7 +1958,7 @@
             <a:fld id="{9A74CC22-6C46-4257-8CA6-CFD3CE7F77C5}" type="datetimeFigureOut">
               <a:rPr lang="en-US" smtClean="0"/>
               <a:pPr/>
-              <a:t>9/9/2014</a:t>
+              <a:t>11/30/2014</a:t>
             </a:fld>
             <a:endParaRPr lang="en-US"/>
           </a:p>
@@ -2231,7 +2232,7 @@
             <a:fld id="{9A74CC22-6C46-4257-8CA6-CFD3CE7F77C5}" type="datetimeFigureOut">
               <a:rPr lang="en-US" smtClean="0"/>
               <a:pPr/>
-              <a:t>9/9/2014</a:t>
+              <a:t>11/30/2014</a:t>
             </a:fld>
             <a:endParaRPr lang="en-US"/>
           </a:p>
@@ -2481,7 +2482,7 @@
             <a:fld id="{9A74CC22-6C46-4257-8CA6-CFD3CE7F77C5}" type="datetimeFigureOut">
               <a:rPr lang="en-US" smtClean="0"/>
               <a:pPr/>
-              <a:t>9/9/2014</a:t>
+              <a:t>11/30/2014</a:t>
             </a:fld>
             <a:endParaRPr lang="en-US"/>
           </a:p>
@@ -2691,7 +2692,7 @@
             <a:fld id="{9A74CC22-6C46-4257-8CA6-CFD3CE7F77C5}" type="datetimeFigureOut">
               <a:rPr lang="en-US" smtClean="0"/>
               <a:pPr/>
-              <a:t>9/9/2014</a:t>
+              <a:t>11/30/2014</a:t>
             </a:fld>
             <a:endParaRPr lang="en-US"/>
           </a:p>
@@ -4086,7 +4087,6 @@
               <a:rPr lang="en-US" dirty="0" smtClean="0"/>
               <a:t>CH4</a:t>
             </a:r>
-            <a:endParaRPr lang="en-US" dirty="0" smtClean="0"/>
           </a:p>
         </p:txBody>
       </p:sp>
@@ -4152,7 +4152,6 @@
               <a:rPr lang="en-US" dirty="0" smtClean="0"/>
               <a:t>H2</a:t>
             </a:r>
-            <a:endParaRPr lang="en-US" dirty="0" smtClean="0"/>
           </a:p>
         </p:txBody>
       </p:sp>
@@ -4184,7 +4183,6 @@
               <a:rPr lang="en-US" dirty="0" smtClean="0"/>
               <a:t>LPG</a:t>
             </a:r>
-            <a:endParaRPr lang="en-US" dirty="0" smtClean="0"/>
           </a:p>
         </p:txBody>
       </p:sp>
@@ -4277,15 +4275,7 @@
                   <a:schemeClr val="bg1"/>
                 </a:solidFill>
               </a:rPr>
-              <a:t>1100 </a:t>
-            </a:r>
-            <a:r>
-              <a:rPr lang="en-US" dirty="0" smtClean="0">
-                <a:solidFill>
-                  <a:schemeClr val="bg1"/>
-                </a:solidFill>
-              </a:rPr>
-              <a:t>– Green</a:t>
+              <a:t>1100 – Green</a:t>
             </a:r>
           </a:p>
           <a:p>
@@ -4378,7 +4368,7 @@
         </p:blipFill>
         <p:spPr bwMode="auto">
           <a:xfrm>
-            <a:off x="0" y="0"/>
+            <a:off x="-9601200" y="228600"/>
             <a:ext cx="9144000" cy="6858000"/>
           </a:xfrm>
           <a:prstGeom prst="rect">
@@ -5416,7 +5406,6 @@
               <a:rPr lang="en-US" dirty="0" smtClean="0"/>
               <a:t>CH4</a:t>
             </a:r>
-            <a:endParaRPr lang="en-US" dirty="0" smtClean="0"/>
           </a:p>
         </p:txBody>
       </p:sp>
@@ -5448,7 +5437,6 @@
               <a:rPr lang="en-US" dirty="0" smtClean="0"/>
               <a:t>CO</a:t>
             </a:r>
-            <a:endParaRPr lang="en-US" dirty="0" smtClean="0"/>
           </a:p>
         </p:txBody>
       </p:sp>
@@ -5483,7 +5471,6 @@
               <a:rPr lang="en-US" dirty="0" smtClean="0"/>
               <a:t>H2</a:t>
             </a:r>
-            <a:endParaRPr lang="en-US" dirty="0" smtClean="0"/>
           </a:p>
         </p:txBody>
       </p:sp>
@@ -5515,7 +5502,6 @@
               <a:rPr lang="en-US" dirty="0" smtClean="0"/>
               <a:t>LPG</a:t>
             </a:r>
-            <a:endParaRPr lang="en-US" dirty="0" smtClean="0"/>
           </a:p>
         </p:txBody>
       </p:sp>
@@ -5608,15 +5594,7 @@
                   <a:schemeClr val="bg1"/>
                 </a:solidFill>
               </a:rPr>
-              <a:t>1100 </a:t>
-            </a:r>
-            <a:r>
-              <a:rPr lang="en-US" dirty="0" smtClean="0">
-                <a:solidFill>
-                  <a:schemeClr val="bg1"/>
-                </a:solidFill>
-              </a:rPr>
-              <a:t>– Green</a:t>
+              <a:t>1100 – Green</a:t>
             </a:r>
           </a:p>
           <a:p>
@@ -6201,7 +6179,6 @@
               <a:rPr lang="en-US" dirty="0" smtClean="0"/>
               <a:t>CH4</a:t>
             </a:r>
-            <a:endParaRPr lang="en-US" dirty="0" smtClean="0"/>
           </a:p>
         </p:txBody>
       </p:sp>
@@ -6267,7 +6244,6 @@
               <a:rPr lang="en-US" dirty="0" smtClean="0"/>
               <a:t>H2</a:t>
             </a:r>
-            <a:endParaRPr lang="en-US" dirty="0" smtClean="0"/>
           </a:p>
         </p:txBody>
       </p:sp>
@@ -6299,7 +6275,6 @@
               <a:rPr lang="en-US" dirty="0" smtClean="0"/>
               <a:t>LPG</a:t>
             </a:r>
-            <a:endParaRPr lang="en-US" dirty="0" smtClean="0"/>
           </a:p>
         </p:txBody>
       </p:sp>
@@ -6342,15 +6317,7 @@
                   <a:schemeClr val="bg1"/>
                 </a:solidFill>
               </a:rPr>
-              <a:t>1100 </a:t>
-            </a:r>
-            <a:r>
-              <a:rPr lang="en-US" dirty="0" smtClean="0">
-                <a:solidFill>
-                  <a:schemeClr val="bg1"/>
-                </a:solidFill>
-              </a:rPr>
-              <a:t>– Green</a:t>
+              <a:t>1100 – Green</a:t>
             </a:r>
           </a:p>
           <a:p>
@@ -6398,6 +6365,1283 @@
                 <a:schemeClr val="bg1"/>
               </a:solidFill>
             </a:endParaRPr>
+          </a:p>
+        </p:txBody>
+      </p:sp>
+    </p:spTree>
+  </p:cSld>
+  <p:clrMapOvr>
+    <a:masterClrMapping/>
+  </p:clrMapOvr>
+</p:sld>
+</file>
+
+<file path=ppt/slides/slide5.xml><?xml version="1.0" encoding="utf-8"?>
+<p:sld xmlns:a="http://schemas.openxmlformats.org/drawingml/2006/main" xmlns:r="http://schemas.openxmlformats.org/officeDocument/2006/relationships" xmlns:p="http://schemas.openxmlformats.org/presentationml/2006/main">
+  <p:cSld>
+    <p:spTree>
+      <p:nvGrpSpPr>
+        <p:cNvPr id="1" name=""/>
+        <p:cNvGrpSpPr/>
+        <p:nvPr/>
+      </p:nvGrpSpPr>
+      <p:grpSpPr>
+        <a:xfrm>
+          <a:off x="0" y="0"/>
+          <a:ext cx="0" cy="0"/>
+          <a:chOff x="0" y="0"/>
+          <a:chExt cx="0" cy="0"/>
+        </a:xfrm>
+      </p:grpSpPr>
+      <p:pic>
+        <p:nvPicPr>
+          <p:cNvPr id="4" name="Picture 2" descr="C:\Users\dc6550\Google Drive\ARIBO-IH\TARDEC\SLAC_photos\20141001_113531.jpg"/>
+          <p:cNvPicPr>
+            <a:picLocks noChangeAspect="1" noChangeArrowheads="1"/>
+          </p:cNvPicPr>
+          <p:nvPr/>
+        </p:nvPicPr>
+        <p:blipFill>
+          <a:blip r:embed="rId2" cstate="print"/>
+          <a:srcRect t="18125" b="25625"/>
+          <a:stretch>
+            <a:fillRect/>
+          </a:stretch>
+        </p:blipFill>
+        <p:spPr bwMode="auto">
+          <a:xfrm>
+            <a:off x="0" y="0"/>
+            <a:ext cx="9144000" cy="6858000"/>
+          </a:xfrm>
+          <a:prstGeom prst="rect">
+            <a:avLst/>
+          </a:prstGeom>
+          <a:noFill/>
+        </p:spPr>
+      </p:pic>
+      <p:sp>
+        <p:nvSpPr>
+          <p:cNvPr id="5" name="TextBox 4"/>
+          <p:cNvSpPr txBox="1"/>
+          <p:nvPr/>
+        </p:nvSpPr>
+        <p:spPr>
+          <a:xfrm>
+            <a:off x="6858000" y="304800"/>
+            <a:ext cx="1828800" cy="369332"/>
+          </a:xfrm>
+          <a:prstGeom prst="rect">
+            <a:avLst/>
+          </a:prstGeom>
+          <a:solidFill>
+            <a:schemeClr val="bg1"/>
+          </a:solidFill>
+          <a:ln w="25400">
+            <a:solidFill>
+              <a:schemeClr val="tx1"/>
+            </a:solidFill>
+          </a:ln>
+        </p:spPr>
+        <p:txBody>
+          <a:bodyPr wrap="square" rtlCol="0">
+            <a:spAutoFit/>
+          </a:bodyPr>
+          <a:lstStyle/>
+          <a:p>
+            <a:r>
+              <a:rPr lang="en-US" dirty="0" smtClean="0"/>
+              <a:t>Status Log         □</a:t>
+            </a:r>
+            <a:endParaRPr lang="en-US" dirty="0"/>
+          </a:p>
+        </p:txBody>
+      </p:sp>
+      <p:sp>
+        <p:nvSpPr>
+          <p:cNvPr id="6" name="TextBox 5"/>
+          <p:cNvSpPr txBox="1"/>
+          <p:nvPr/>
+        </p:nvSpPr>
+        <p:spPr>
+          <a:xfrm>
+            <a:off x="304800" y="304800"/>
+            <a:ext cx="1828800" cy="369332"/>
+          </a:xfrm>
+          <a:prstGeom prst="rect">
+            <a:avLst/>
+          </a:prstGeom>
+          <a:solidFill>
+            <a:schemeClr val="bg1"/>
+          </a:solidFill>
+          <a:ln w="25400" cmpd="sng">
+            <a:solidFill>
+              <a:schemeClr val="tx1"/>
+            </a:solidFill>
+          </a:ln>
+        </p:spPr>
+        <p:txBody>
+          <a:bodyPr wrap="square" rtlCol="0">
+            <a:spAutoFit/>
+          </a:bodyPr>
+          <a:lstStyle/>
+          <a:p>
+            <a:r>
+              <a:rPr lang="en-US" dirty="0" smtClean="0"/>
+              <a:t>Status Log         □</a:t>
+            </a:r>
+            <a:endParaRPr lang="en-US" dirty="0"/>
+          </a:p>
+        </p:txBody>
+      </p:sp>
+      <p:sp>
+        <p:nvSpPr>
+          <p:cNvPr id="7" name="Oval 6"/>
+          <p:cNvSpPr/>
+          <p:nvPr/>
+        </p:nvSpPr>
+        <p:spPr>
+          <a:xfrm>
+            <a:off x="6629400" y="5456848"/>
+            <a:ext cx="1447800" cy="1066800"/>
+          </a:xfrm>
+          <a:prstGeom prst="ellipse">
+            <a:avLst/>
+          </a:prstGeom>
+          <a:solidFill>
+            <a:schemeClr val="bg1">
+              <a:alpha val="0"/>
+            </a:schemeClr>
+          </a:solidFill>
+          <a:ln>
+            <a:solidFill>
+              <a:schemeClr val="bg1"/>
+            </a:solidFill>
+          </a:ln>
+        </p:spPr>
+        <p:style>
+          <a:lnRef idx="2">
+            <a:schemeClr val="accent1">
+              <a:shade val="50000"/>
+            </a:schemeClr>
+          </a:lnRef>
+          <a:fillRef idx="1">
+            <a:schemeClr val="accent1"/>
+          </a:fillRef>
+          <a:effectRef idx="0">
+            <a:schemeClr val="accent1"/>
+          </a:effectRef>
+          <a:fontRef idx="minor">
+            <a:schemeClr val="lt1"/>
+          </a:fontRef>
+        </p:style>
+        <p:txBody>
+          <a:bodyPr rtlCol="0" anchor="ctr"/>
+          <a:lstStyle/>
+          <a:p>
+            <a:pPr algn="ctr"/>
+            <a:endParaRPr lang="en-US">
+              <a:solidFill>
+                <a:schemeClr val="bg1"/>
+              </a:solidFill>
+            </a:endParaRPr>
+          </a:p>
+        </p:txBody>
+      </p:sp>
+      <p:sp>
+        <p:nvSpPr>
+          <p:cNvPr id="8" name="TextBox 7"/>
+          <p:cNvSpPr txBox="1"/>
+          <p:nvPr/>
+        </p:nvSpPr>
+        <p:spPr>
+          <a:xfrm>
+            <a:off x="3276600" y="152400"/>
+            <a:ext cx="2514600" cy="646331"/>
+          </a:xfrm>
+          <a:prstGeom prst="rect">
+            <a:avLst/>
+          </a:prstGeom>
+          <a:solidFill>
+            <a:schemeClr val="bg1"/>
+          </a:solidFill>
+          <a:ln>
+            <a:solidFill>
+              <a:schemeClr val="tx1"/>
+            </a:solidFill>
+          </a:ln>
+        </p:spPr>
+        <p:txBody>
+          <a:bodyPr wrap="square" rtlCol="0">
+            <a:spAutoFit/>
+          </a:bodyPr>
+          <a:lstStyle/>
+          <a:p>
+            <a:pPr algn="ctr"/>
+            <a:r>
+              <a:rPr lang="en-US" dirty="0" err="1" smtClean="0"/>
+              <a:t>Aribo</a:t>
+            </a:r>
+            <a:r>
+              <a:rPr lang="en-US" dirty="0" smtClean="0"/>
+              <a:t>-IH</a:t>
+            </a:r>
+          </a:p>
+          <a:p>
+            <a:pPr algn="ctr"/>
+            <a:r>
+              <a:rPr lang="en-US" dirty="0" smtClean="0"/>
+              <a:t>Distance/Router</a:t>
+            </a:r>
+            <a:endParaRPr lang="en-US" dirty="0"/>
+          </a:p>
+        </p:txBody>
+      </p:sp>
+      <p:sp>
+        <p:nvSpPr>
+          <p:cNvPr id="9" name="Quad Arrow 8"/>
+          <p:cNvSpPr/>
+          <p:nvPr/>
+        </p:nvSpPr>
+        <p:spPr>
+          <a:xfrm>
+            <a:off x="6858000" y="5638800"/>
+            <a:ext cx="1034143" cy="740267"/>
+          </a:xfrm>
+          <a:prstGeom prst="quadArrow">
+            <a:avLst/>
+          </a:prstGeom>
+          <a:solidFill>
+            <a:schemeClr val="tx1"/>
+          </a:solidFill>
+          <a:ln>
+            <a:solidFill>
+              <a:schemeClr val="bg1"/>
+            </a:solidFill>
+          </a:ln>
+        </p:spPr>
+        <p:style>
+          <a:lnRef idx="2">
+            <a:schemeClr val="accent1">
+              <a:shade val="50000"/>
+            </a:schemeClr>
+          </a:lnRef>
+          <a:fillRef idx="1">
+            <a:schemeClr val="accent1"/>
+          </a:fillRef>
+          <a:effectRef idx="0">
+            <a:schemeClr val="accent1"/>
+          </a:effectRef>
+          <a:fontRef idx="minor">
+            <a:schemeClr val="lt1"/>
+          </a:fontRef>
+        </p:style>
+        <p:txBody>
+          <a:bodyPr rtlCol="0" anchor="ctr"/>
+          <a:lstStyle/>
+          <a:p>
+            <a:pPr algn="ctr"/>
+            <a:endParaRPr lang="en-US">
+              <a:solidFill>
+                <a:schemeClr val="bg1"/>
+              </a:solidFill>
+            </a:endParaRPr>
+          </a:p>
+        </p:txBody>
+      </p:sp>
+      <p:sp>
+        <p:nvSpPr>
+          <p:cNvPr id="10" name="Rectangle 9"/>
+          <p:cNvSpPr/>
+          <p:nvPr/>
+        </p:nvSpPr>
+        <p:spPr>
+          <a:xfrm>
+            <a:off x="304800" y="685800"/>
+            <a:ext cx="1828800" cy="5867400"/>
+          </a:xfrm>
+          <a:prstGeom prst="rect">
+            <a:avLst/>
+          </a:prstGeom>
+          <a:solidFill>
+            <a:schemeClr val="bg1">
+              <a:alpha val="23000"/>
+            </a:schemeClr>
+          </a:solidFill>
+          <a:ln>
+            <a:solidFill>
+              <a:schemeClr val="tx1"/>
+            </a:solidFill>
+          </a:ln>
+        </p:spPr>
+        <p:style>
+          <a:lnRef idx="2">
+            <a:schemeClr val="accent1">
+              <a:shade val="50000"/>
+            </a:schemeClr>
+          </a:lnRef>
+          <a:fillRef idx="1">
+            <a:schemeClr val="accent1"/>
+          </a:fillRef>
+          <a:effectRef idx="0">
+            <a:schemeClr val="accent1"/>
+          </a:effectRef>
+          <a:fontRef idx="minor">
+            <a:schemeClr val="lt1"/>
+          </a:fontRef>
+        </p:style>
+        <p:txBody>
+          <a:bodyPr rtlCol="0" anchor="ctr"/>
+          <a:lstStyle/>
+          <a:p>
+            <a:pPr algn="ctr"/>
+            <a:endParaRPr lang="en-US"/>
+          </a:p>
+        </p:txBody>
+      </p:sp>
+      <p:sp>
+        <p:nvSpPr>
+          <p:cNvPr id="11" name="TextBox 10"/>
+          <p:cNvSpPr txBox="1"/>
+          <p:nvPr/>
+        </p:nvSpPr>
+        <p:spPr>
+          <a:xfrm>
+            <a:off x="3200400" y="2895600"/>
+            <a:ext cx="2743200" cy="1107996"/>
+          </a:xfrm>
+          <a:prstGeom prst="rect">
+            <a:avLst/>
+          </a:prstGeom>
+          <a:noFill/>
+        </p:spPr>
+        <p:txBody>
+          <a:bodyPr wrap="square" rtlCol="0">
+            <a:spAutoFit/>
+          </a:bodyPr>
+          <a:lstStyle/>
+          <a:p>
+            <a:pPr algn="ctr"/>
+            <a:r>
+              <a:rPr lang="en-US" sz="6600" dirty="0" smtClean="0">
+                <a:solidFill>
+                  <a:srgbClr val="FF0000"/>
+                </a:solidFill>
+              </a:rPr>
+              <a:t>Alert!</a:t>
+            </a:r>
+            <a:endParaRPr lang="en-US" sz="6600" dirty="0">
+              <a:solidFill>
+                <a:srgbClr val="FF0000"/>
+              </a:solidFill>
+            </a:endParaRPr>
+          </a:p>
+        </p:txBody>
+      </p:sp>
+      <p:sp>
+        <p:nvSpPr>
+          <p:cNvPr id="12" name="Flowchart: Terminator 11"/>
+          <p:cNvSpPr/>
+          <p:nvPr/>
+        </p:nvSpPr>
+        <p:spPr>
+          <a:xfrm rot="5400000">
+            <a:off x="8039100" y="5753100"/>
+            <a:ext cx="990600" cy="304800"/>
+          </a:xfrm>
+          <a:prstGeom prst="flowChartTerminator">
+            <a:avLst/>
+          </a:prstGeom>
+          <a:noFill/>
+          <a:ln>
+            <a:solidFill>
+              <a:schemeClr val="bg1"/>
+            </a:solidFill>
+          </a:ln>
+        </p:spPr>
+        <p:style>
+          <a:lnRef idx="2">
+            <a:schemeClr val="accent1">
+              <a:shade val="50000"/>
+            </a:schemeClr>
+          </a:lnRef>
+          <a:fillRef idx="1">
+            <a:schemeClr val="accent1"/>
+          </a:fillRef>
+          <a:effectRef idx="0">
+            <a:schemeClr val="accent1"/>
+          </a:effectRef>
+          <a:fontRef idx="minor">
+            <a:schemeClr val="lt1"/>
+          </a:fontRef>
+        </p:style>
+        <p:txBody>
+          <a:bodyPr rtlCol="0" anchor="ctr"/>
+          <a:lstStyle/>
+          <a:p>
+            <a:pPr algn="ctr"/>
+            <a:endParaRPr lang="en-US">
+              <a:solidFill>
+                <a:schemeClr val="bg1"/>
+              </a:solidFill>
+            </a:endParaRPr>
+          </a:p>
+        </p:txBody>
+      </p:sp>
+      <p:sp>
+        <p:nvSpPr>
+          <p:cNvPr id="13" name="Oval 12"/>
+          <p:cNvSpPr/>
+          <p:nvPr/>
+        </p:nvSpPr>
+        <p:spPr>
+          <a:xfrm>
+            <a:off x="8382000" y="6096000"/>
+            <a:ext cx="304800" cy="304800"/>
+          </a:xfrm>
+          <a:prstGeom prst="ellipse">
+            <a:avLst/>
+          </a:prstGeom>
+          <a:solidFill>
+            <a:schemeClr val="tx1">
+              <a:lumMod val="50000"/>
+              <a:lumOff val="50000"/>
+            </a:schemeClr>
+          </a:solidFill>
+        </p:spPr>
+        <p:style>
+          <a:lnRef idx="2">
+            <a:schemeClr val="accent1">
+              <a:shade val="50000"/>
+            </a:schemeClr>
+          </a:lnRef>
+          <a:fillRef idx="1">
+            <a:schemeClr val="accent1"/>
+          </a:fillRef>
+          <a:effectRef idx="0">
+            <a:schemeClr val="accent1"/>
+          </a:effectRef>
+          <a:fontRef idx="minor">
+            <a:schemeClr val="lt1"/>
+          </a:fontRef>
+        </p:style>
+        <p:txBody>
+          <a:bodyPr rtlCol="0" anchor="ctr"/>
+          <a:lstStyle/>
+          <a:p>
+            <a:pPr algn="ctr"/>
+            <a:endParaRPr lang="en-US"/>
+          </a:p>
+        </p:txBody>
+      </p:sp>
+      <p:sp>
+        <p:nvSpPr>
+          <p:cNvPr id="14" name="TextBox 13"/>
+          <p:cNvSpPr txBox="1"/>
+          <p:nvPr/>
+        </p:nvSpPr>
+        <p:spPr>
+          <a:xfrm>
+            <a:off x="8229600" y="4953000"/>
+            <a:ext cx="914400" cy="369332"/>
+          </a:xfrm>
+          <a:prstGeom prst="rect">
+            <a:avLst/>
+          </a:prstGeom>
+          <a:noFill/>
+        </p:spPr>
+        <p:txBody>
+          <a:bodyPr wrap="square" rtlCol="0">
+            <a:spAutoFit/>
+          </a:bodyPr>
+          <a:lstStyle/>
+          <a:p>
+            <a:r>
+              <a:rPr lang="en-US" dirty="0" smtClean="0">
+                <a:solidFill>
+                  <a:schemeClr val="bg1"/>
+                </a:solidFill>
+              </a:rPr>
+              <a:t>Track</a:t>
+            </a:r>
+            <a:endParaRPr lang="en-US" dirty="0">
+              <a:solidFill>
+                <a:schemeClr val="bg1"/>
+              </a:solidFill>
+            </a:endParaRPr>
+          </a:p>
+        </p:txBody>
+      </p:sp>
+      <p:sp>
+        <p:nvSpPr>
+          <p:cNvPr id="15" name="TextBox 14"/>
+          <p:cNvSpPr txBox="1"/>
+          <p:nvPr/>
+        </p:nvSpPr>
+        <p:spPr>
+          <a:xfrm>
+            <a:off x="8077200" y="6400800"/>
+            <a:ext cx="914400" cy="369332"/>
+          </a:xfrm>
+          <a:prstGeom prst="rect">
+            <a:avLst/>
+          </a:prstGeom>
+          <a:noFill/>
+        </p:spPr>
+        <p:txBody>
+          <a:bodyPr wrap="square" rtlCol="0">
+            <a:spAutoFit/>
+          </a:bodyPr>
+          <a:lstStyle/>
+          <a:p>
+            <a:r>
+              <a:rPr lang="en-US" dirty="0" smtClean="0">
+                <a:solidFill>
+                  <a:schemeClr val="bg1"/>
+                </a:solidFill>
+              </a:rPr>
+              <a:t>Camera</a:t>
+            </a:r>
+            <a:endParaRPr lang="en-US" dirty="0">
+              <a:solidFill>
+                <a:schemeClr val="bg1"/>
+              </a:solidFill>
+            </a:endParaRPr>
+          </a:p>
+        </p:txBody>
+      </p:sp>
+      <p:sp>
+        <p:nvSpPr>
+          <p:cNvPr id="16" name="Flowchart: Terminator 15"/>
+          <p:cNvSpPr/>
+          <p:nvPr/>
+        </p:nvSpPr>
+        <p:spPr>
+          <a:xfrm rot="5400000">
+            <a:off x="5600700" y="5753100"/>
+            <a:ext cx="1219200" cy="381000"/>
+          </a:xfrm>
+          <a:prstGeom prst="flowChartTerminator">
+            <a:avLst/>
+          </a:prstGeom>
+          <a:noFill/>
+          <a:ln>
+            <a:solidFill>
+              <a:schemeClr val="bg1"/>
+            </a:solidFill>
+          </a:ln>
+        </p:spPr>
+        <p:style>
+          <a:lnRef idx="2">
+            <a:schemeClr val="accent1">
+              <a:shade val="50000"/>
+            </a:schemeClr>
+          </a:lnRef>
+          <a:fillRef idx="1">
+            <a:schemeClr val="accent1"/>
+          </a:fillRef>
+          <a:effectRef idx="0">
+            <a:schemeClr val="accent1"/>
+          </a:effectRef>
+          <a:fontRef idx="minor">
+            <a:schemeClr val="lt1"/>
+          </a:fontRef>
+        </p:style>
+        <p:txBody>
+          <a:bodyPr rtlCol="0" anchor="ctr"/>
+          <a:lstStyle/>
+          <a:p>
+            <a:pPr algn="ctr"/>
+            <a:endParaRPr lang="en-US">
+              <a:solidFill>
+                <a:schemeClr val="bg1"/>
+              </a:solidFill>
+            </a:endParaRPr>
+          </a:p>
+        </p:txBody>
+      </p:sp>
+      <p:sp>
+        <p:nvSpPr>
+          <p:cNvPr id="17" name="Up-Down Arrow 16"/>
+          <p:cNvSpPr/>
+          <p:nvPr/>
+        </p:nvSpPr>
+        <p:spPr>
+          <a:xfrm>
+            <a:off x="6096000" y="5486400"/>
+            <a:ext cx="228600" cy="914400"/>
+          </a:xfrm>
+          <a:prstGeom prst="upDownArrow">
+            <a:avLst/>
+          </a:prstGeom>
+          <a:solidFill>
+            <a:schemeClr val="tx1"/>
+          </a:solidFill>
+          <a:ln>
+            <a:solidFill>
+              <a:schemeClr val="bg1"/>
+            </a:solidFill>
+          </a:ln>
+        </p:spPr>
+        <p:style>
+          <a:lnRef idx="2">
+            <a:schemeClr val="accent1">
+              <a:shade val="50000"/>
+            </a:schemeClr>
+          </a:lnRef>
+          <a:fillRef idx="1">
+            <a:schemeClr val="accent1"/>
+          </a:fillRef>
+          <a:effectRef idx="0">
+            <a:schemeClr val="accent1"/>
+          </a:effectRef>
+          <a:fontRef idx="minor">
+            <a:schemeClr val="lt1"/>
+          </a:fontRef>
+        </p:style>
+        <p:txBody>
+          <a:bodyPr rtlCol="0" anchor="ctr"/>
+          <a:lstStyle/>
+          <a:p>
+            <a:pPr algn="ctr"/>
+            <a:endParaRPr lang="en-US"/>
+          </a:p>
+        </p:txBody>
+      </p:sp>
+      <p:sp>
+        <p:nvSpPr>
+          <p:cNvPr id="18" name="Flowchart: Terminator 17"/>
+          <p:cNvSpPr/>
+          <p:nvPr/>
+        </p:nvSpPr>
+        <p:spPr>
+          <a:xfrm>
+            <a:off x="6553200" y="3886200"/>
+            <a:ext cx="1447800" cy="304800"/>
+          </a:xfrm>
+          <a:prstGeom prst="flowChartTerminator">
+            <a:avLst/>
+          </a:prstGeom>
+          <a:noFill/>
+          <a:ln>
+            <a:solidFill>
+              <a:schemeClr val="bg1"/>
+            </a:solidFill>
+          </a:ln>
+        </p:spPr>
+        <p:style>
+          <a:lnRef idx="2">
+            <a:schemeClr val="accent1">
+              <a:shade val="50000"/>
+            </a:schemeClr>
+          </a:lnRef>
+          <a:fillRef idx="1">
+            <a:schemeClr val="accent1"/>
+          </a:fillRef>
+          <a:effectRef idx="0">
+            <a:schemeClr val="accent1"/>
+          </a:effectRef>
+          <a:fontRef idx="minor">
+            <a:schemeClr val="lt1"/>
+          </a:fontRef>
+        </p:style>
+        <p:txBody>
+          <a:bodyPr rtlCol="0" anchor="ctr"/>
+          <a:lstStyle/>
+          <a:p>
+            <a:pPr algn="ctr"/>
+            <a:endParaRPr lang="en-US">
+              <a:solidFill>
+                <a:schemeClr val="bg1"/>
+              </a:solidFill>
+            </a:endParaRPr>
+          </a:p>
+        </p:txBody>
+      </p:sp>
+      <p:sp>
+        <p:nvSpPr>
+          <p:cNvPr id="19" name="TextBox 18"/>
+          <p:cNvSpPr txBox="1"/>
+          <p:nvPr/>
+        </p:nvSpPr>
+        <p:spPr>
+          <a:xfrm>
+            <a:off x="6172200" y="3505200"/>
+            <a:ext cx="685800" cy="369332"/>
+          </a:xfrm>
+          <a:prstGeom prst="rect">
+            <a:avLst/>
+          </a:prstGeom>
+          <a:noFill/>
+        </p:spPr>
+        <p:txBody>
+          <a:bodyPr wrap="square" rtlCol="0">
+            <a:spAutoFit/>
+          </a:bodyPr>
+          <a:lstStyle/>
+          <a:p>
+            <a:r>
+              <a:rPr lang="en-US" dirty="0" smtClean="0">
+                <a:solidFill>
+                  <a:schemeClr val="bg1"/>
+                </a:solidFill>
+              </a:rPr>
+              <a:t>Auto</a:t>
+            </a:r>
+            <a:endParaRPr lang="en-US" dirty="0">
+              <a:solidFill>
+                <a:schemeClr val="bg1"/>
+              </a:solidFill>
+            </a:endParaRPr>
+          </a:p>
+        </p:txBody>
+      </p:sp>
+      <p:sp>
+        <p:nvSpPr>
+          <p:cNvPr id="20" name="TextBox 19"/>
+          <p:cNvSpPr txBox="1"/>
+          <p:nvPr/>
+        </p:nvSpPr>
+        <p:spPr>
+          <a:xfrm>
+            <a:off x="7620000" y="3505200"/>
+            <a:ext cx="914400" cy="369332"/>
+          </a:xfrm>
+          <a:prstGeom prst="rect">
+            <a:avLst/>
+          </a:prstGeom>
+          <a:noFill/>
+        </p:spPr>
+        <p:txBody>
+          <a:bodyPr wrap="square" rtlCol="0">
+            <a:spAutoFit/>
+          </a:bodyPr>
+          <a:lstStyle/>
+          <a:p>
+            <a:r>
+              <a:rPr lang="en-US" dirty="0" smtClean="0">
+                <a:solidFill>
+                  <a:schemeClr val="bg1"/>
+                </a:solidFill>
+              </a:rPr>
+              <a:t>Manual</a:t>
+            </a:r>
+            <a:endParaRPr lang="en-US" dirty="0">
+              <a:solidFill>
+                <a:schemeClr val="bg1"/>
+              </a:solidFill>
+            </a:endParaRPr>
+          </a:p>
+        </p:txBody>
+      </p:sp>
+      <p:sp>
+        <p:nvSpPr>
+          <p:cNvPr id="21" name="Oval 20"/>
+          <p:cNvSpPr/>
+          <p:nvPr/>
+        </p:nvSpPr>
+        <p:spPr>
+          <a:xfrm>
+            <a:off x="7696200" y="3886200"/>
+            <a:ext cx="304800" cy="304800"/>
+          </a:xfrm>
+          <a:prstGeom prst="ellipse">
+            <a:avLst/>
+          </a:prstGeom>
+          <a:solidFill>
+            <a:schemeClr val="tx1">
+              <a:lumMod val="50000"/>
+              <a:lumOff val="50000"/>
+            </a:schemeClr>
+          </a:solidFill>
+        </p:spPr>
+        <p:style>
+          <a:lnRef idx="2">
+            <a:schemeClr val="accent1">
+              <a:shade val="50000"/>
+            </a:schemeClr>
+          </a:lnRef>
+          <a:fillRef idx="1">
+            <a:schemeClr val="accent1"/>
+          </a:fillRef>
+          <a:effectRef idx="0">
+            <a:schemeClr val="accent1"/>
+          </a:effectRef>
+          <a:fontRef idx="minor">
+            <a:schemeClr val="lt1"/>
+          </a:fontRef>
+        </p:style>
+        <p:txBody>
+          <a:bodyPr rtlCol="0" anchor="ctr"/>
+          <a:lstStyle/>
+          <a:p>
+            <a:pPr algn="ctr"/>
+            <a:endParaRPr lang="en-US"/>
+          </a:p>
+        </p:txBody>
+      </p:sp>
+      <p:sp>
+        <p:nvSpPr>
+          <p:cNvPr id="22" name="Oval 21"/>
+          <p:cNvSpPr/>
+          <p:nvPr/>
+        </p:nvSpPr>
+        <p:spPr>
+          <a:xfrm>
+            <a:off x="6629400" y="4313848"/>
+            <a:ext cx="1447800" cy="1066800"/>
+          </a:xfrm>
+          <a:prstGeom prst="ellipse">
+            <a:avLst/>
+          </a:prstGeom>
+          <a:solidFill>
+            <a:schemeClr val="bg1">
+              <a:alpha val="0"/>
+            </a:schemeClr>
+          </a:solidFill>
+          <a:ln>
+            <a:solidFill>
+              <a:schemeClr val="bg1"/>
+            </a:solidFill>
+          </a:ln>
+        </p:spPr>
+        <p:style>
+          <a:lnRef idx="2">
+            <a:schemeClr val="accent1">
+              <a:shade val="50000"/>
+            </a:schemeClr>
+          </a:lnRef>
+          <a:fillRef idx="1">
+            <a:schemeClr val="accent1"/>
+          </a:fillRef>
+          <a:effectRef idx="0">
+            <a:schemeClr val="accent1"/>
+          </a:effectRef>
+          <a:fontRef idx="minor">
+            <a:schemeClr val="lt1"/>
+          </a:fontRef>
+        </p:style>
+        <p:txBody>
+          <a:bodyPr rtlCol="0" anchor="ctr"/>
+          <a:lstStyle/>
+          <a:p>
+            <a:pPr algn="ctr"/>
+            <a:endParaRPr lang="en-US">
+              <a:solidFill>
+                <a:schemeClr val="bg1"/>
+              </a:solidFill>
+            </a:endParaRPr>
+          </a:p>
+        </p:txBody>
+      </p:sp>
+      <p:sp>
+        <p:nvSpPr>
+          <p:cNvPr id="23" name="Quad Arrow 22"/>
+          <p:cNvSpPr/>
+          <p:nvPr/>
+        </p:nvSpPr>
+        <p:spPr>
+          <a:xfrm>
+            <a:off x="6858000" y="4495800"/>
+            <a:ext cx="1034143" cy="740267"/>
+          </a:xfrm>
+          <a:prstGeom prst="quadArrow">
+            <a:avLst/>
+          </a:prstGeom>
+          <a:solidFill>
+            <a:schemeClr val="tx1"/>
+          </a:solidFill>
+          <a:ln>
+            <a:solidFill>
+              <a:schemeClr val="bg1"/>
+            </a:solidFill>
+          </a:ln>
+        </p:spPr>
+        <p:style>
+          <a:lnRef idx="2">
+            <a:schemeClr val="accent1">
+              <a:shade val="50000"/>
+            </a:schemeClr>
+          </a:lnRef>
+          <a:fillRef idx="1">
+            <a:schemeClr val="accent1"/>
+          </a:fillRef>
+          <a:effectRef idx="0">
+            <a:schemeClr val="accent1"/>
+          </a:effectRef>
+          <a:fontRef idx="minor">
+            <a:schemeClr val="lt1"/>
+          </a:fontRef>
+        </p:style>
+        <p:txBody>
+          <a:bodyPr rtlCol="0" anchor="ctr"/>
+          <a:lstStyle/>
+          <a:p>
+            <a:pPr algn="ctr"/>
+            <a:endParaRPr lang="en-US">
+              <a:solidFill>
+                <a:schemeClr val="bg1"/>
+              </a:solidFill>
+            </a:endParaRPr>
+          </a:p>
+        </p:txBody>
+      </p:sp>
+      <p:sp>
+        <p:nvSpPr>
+          <p:cNvPr id="24" name="TextBox 23"/>
+          <p:cNvSpPr txBox="1"/>
+          <p:nvPr/>
+        </p:nvSpPr>
+        <p:spPr>
+          <a:xfrm>
+            <a:off x="7010400" y="6488668"/>
+            <a:ext cx="762000" cy="369332"/>
+          </a:xfrm>
+          <a:prstGeom prst="rect">
+            <a:avLst/>
+          </a:prstGeom>
+          <a:noFill/>
+        </p:spPr>
+        <p:txBody>
+          <a:bodyPr wrap="square" rtlCol="0">
+            <a:spAutoFit/>
+          </a:bodyPr>
+          <a:lstStyle/>
+          <a:p>
+            <a:r>
+              <a:rPr lang="en-US" dirty="0" smtClean="0">
+                <a:solidFill>
+                  <a:schemeClr val="bg1"/>
+                </a:solidFill>
+              </a:rPr>
+              <a:t>X-Axis</a:t>
+            </a:r>
+            <a:endParaRPr lang="en-US" dirty="0">
+              <a:solidFill>
+                <a:schemeClr val="bg1"/>
+              </a:solidFill>
+            </a:endParaRPr>
+          </a:p>
+        </p:txBody>
+      </p:sp>
+      <p:sp>
+        <p:nvSpPr>
+          <p:cNvPr id="25" name="TextBox 24"/>
+          <p:cNvSpPr txBox="1"/>
+          <p:nvPr/>
+        </p:nvSpPr>
+        <p:spPr>
+          <a:xfrm>
+            <a:off x="5867400" y="6488668"/>
+            <a:ext cx="762000" cy="369332"/>
+          </a:xfrm>
+          <a:prstGeom prst="rect">
+            <a:avLst/>
+          </a:prstGeom>
+          <a:noFill/>
+        </p:spPr>
+        <p:txBody>
+          <a:bodyPr wrap="square" rtlCol="0">
+            <a:spAutoFit/>
+          </a:bodyPr>
+          <a:lstStyle/>
+          <a:p>
+            <a:r>
+              <a:rPr lang="en-US" dirty="0" smtClean="0">
+                <a:solidFill>
+                  <a:schemeClr val="bg1"/>
+                </a:solidFill>
+              </a:rPr>
+              <a:t>Y-Axis</a:t>
+            </a:r>
+            <a:endParaRPr lang="en-US" dirty="0">
+              <a:solidFill>
+                <a:schemeClr val="bg1"/>
+              </a:solidFill>
+            </a:endParaRPr>
+          </a:p>
+        </p:txBody>
+      </p:sp>
+      <p:sp>
+        <p:nvSpPr>
+          <p:cNvPr id="26" name="TextBox 25"/>
+          <p:cNvSpPr txBox="1"/>
+          <p:nvPr/>
+        </p:nvSpPr>
+        <p:spPr>
+          <a:xfrm>
+            <a:off x="8077200" y="4419600"/>
+            <a:ext cx="1066800" cy="461665"/>
+          </a:xfrm>
+          <a:prstGeom prst="rect">
+            <a:avLst/>
+          </a:prstGeom>
+          <a:noFill/>
+        </p:spPr>
+        <p:txBody>
+          <a:bodyPr wrap="square" rtlCol="0">
+            <a:spAutoFit/>
+          </a:bodyPr>
+          <a:lstStyle/>
+          <a:p>
+            <a:r>
+              <a:rPr lang="en-US" sz="1200" dirty="0" smtClean="0">
+                <a:solidFill>
+                  <a:schemeClr val="bg1"/>
+                </a:solidFill>
+              </a:rPr>
+              <a:t>Camera Movement</a:t>
+            </a:r>
+            <a:endParaRPr lang="en-US" sz="1200" dirty="0">
+              <a:solidFill>
+                <a:schemeClr val="bg1"/>
+              </a:solidFill>
+            </a:endParaRPr>
+          </a:p>
+        </p:txBody>
+      </p:sp>
+      <p:sp>
+        <p:nvSpPr>
+          <p:cNvPr id="27" name="TextBox 26"/>
+          <p:cNvSpPr txBox="1"/>
+          <p:nvPr/>
+        </p:nvSpPr>
+        <p:spPr>
+          <a:xfrm>
+            <a:off x="304800" y="1447800"/>
+            <a:ext cx="1371600" cy="369332"/>
+          </a:xfrm>
+          <a:prstGeom prst="rect">
+            <a:avLst/>
+          </a:prstGeom>
+          <a:solidFill>
+            <a:schemeClr val="accent1"/>
+          </a:solidFill>
+        </p:spPr>
+        <p:txBody>
+          <a:bodyPr wrap="square" rtlCol="0">
+            <a:spAutoFit/>
+          </a:bodyPr>
+          <a:lstStyle/>
+          <a:p>
+            <a:r>
+              <a:rPr lang="en-US" dirty="0" smtClean="0"/>
+              <a:t>CH4</a:t>
+            </a:r>
+          </a:p>
+        </p:txBody>
+      </p:sp>
+      <p:sp>
+        <p:nvSpPr>
+          <p:cNvPr id="28" name="TextBox 27"/>
+          <p:cNvSpPr txBox="1"/>
+          <p:nvPr/>
+        </p:nvSpPr>
+        <p:spPr>
+          <a:xfrm>
+            <a:off x="304800" y="685800"/>
+            <a:ext cx="1752600" cy="369332"/>
+          </a:xfrm>
+          <a:prstGeom prst="rect">
+            <a:avLst/>
+          </a:prstGeom>
+          <a:solidFill>
+            <a:schemeClr val="accent3"/>
+          </a:solidFill>
+        </p:spPr>
+        <p:txBody>
+          <a:bodyPr wrap="square" rtlCol="0">
+            <a:spAutoFit/>
+          </a:bodyPr>
+          <a:lstStyle/>
+          <a:p>
+            <a:r>
+              <a:rPr lang="en-US" dirty="0" smtClean="0"/>
+              <a:t>CO</a:t>
+            </a:r>
+          </a:p>
+        </p:txBody>
+      </p:sp>
+      <p:sp>
+        <p:nvSpPr>
+          <p:cNvPr id="29" name="TextBox 28"/>
+          <p:cNvSpPr txBox="1"/>
+          <p:nvPr/>
+        </p:nvSpPr>
+        <p:spPr>
+          <a:xfrm>
+            <a:off x="304800" y="1066800"/>
+            <a:ext cx="1219200" cy="369332"/>
+          </a:xfrm>
+          <a:prstGeom prst="rect">
+            <a:avLst/>
+          </a:prstGeom>
+          <a:solidFill>
+            <a:schemeClr val="accent5">
+              <a:lumMod val="20000"/>
+              <a:lumOff val="80000"/>
+            </a:schemeClr>
+          </a:solidFill>
+        </p:spPr>
+        <p:txBody>
+          <a:bodyPr wrap="square" rtlCol="0">
+            <a:spAutoFit/>
+          </a:bodyPr>
+          <a:lstStyle/>
+          <a:p>
+            <a:r>
+              <a:rPr lang="en-US" dirty="0" smtClean="0"/>
+              <a:t>H2</a:t>
+            </a:r>
+          </a:p>
+        </p:txBody>
+      </p:sp>
+      <p:sp>
+        <p:nvSpPr>
+          <p:cNvPr id="30" name="TextBox 29"/>
+          <p:cNvSpPr txBox="1"/>
+          <p:nvPr/>
+        </p:nvSpPr>
+        <p:spPr>
+          <a:xfrm>
+            <a:off x="304800" y="1828800"/>
+            <a:ext cx="609600" cy="369332"/>
+          </a:xfrm>
+          <a:prstGeom prst="rect">
+            <a:avLst/>
+          </a:prstGeom>
+          <a:solidFill>
+            <a:schemeClr val="accent2"/>
+          </a:solidFill>
+        </p:spPr>
+        <p:txBody>
+          <a:bodyPr wrap="square" rtlCol="0">
+            <a:spAutoFit/>
+          </a:bodyPr>
+          <a:lstStyle/>
+          <a:p>
+            <a:r>
+              <a:rPr lang="en-US" dirty="0" smtClean="0"/>
+              <a:t>LPG</a:t>
+            </a:r>
+          </a:p>
+        </p:txBody>
+      </p:sp>
+      <p:sp>
+        <p:nvSpPr>
+          <p:cNvPr id="31" name="Rectangle 30"/>
+          <p:cNvSpPr/>
+          <p:nvPr/>
+        </p:nvSpPr>
+        <p:spPr>
+          <a:xfrm>
+            <a:off x="6858000" y="685800"/>
+            <a:ext cx="1828800" cy="2819400"/>
+          </a:xfrm>
+          <a:prstGeom prst="rect">
+            <a:avLst/>
+          </a:prstGeom>
+          <a:solidFill>
+            <a:schemeClr val="bg1">
+              <a:alpha val="23000"/>
+            </a:schemeClr>
+          </a:solidFill>
+          <a:ln>
+            <a:solidFill>
+              <a:schemeClr val="tx1"/>
+            </a:solidFill>
+          </a:ln>
+        </p:spPr>
+        <p:style>
+          <a:lnRef idx="2">
+            <a:schemeClr val="accent1">
+              <a:shade val="50000"/>
+            </a:schemeClr>
+          </a:lnRef>
+          <a:fillRef idx="1">
+            <a:schemeClr val="accent1"/>
+          </a:fillRef>
+          <a:effectRef idx="0">
+            <a:schemeClr val="accent1"/>
+          </a:effectRef>
+          <a:fontRef idx="minor">
+            <a:schemeClr val="lt1"/>
+          </a:fontRef>
+        </p:style>
+        <p:txBody>
+          <a:bodyPr rtlCol="0" anchor="ctr"/>
+          <a:lstStyle/>
+          <a:p>
+            <a:pPr algn="ctr"/>
+            <a:endParaRPr lang="en-US" dirty="0"/>
+          </a:p>
+        </p:txBody>
+      </p:sp>
+      <p:sp>
+        <p:nvSpPr>
+          <p:cNvPr id="32" name="TextBox 31"/>
+          <p:cNvSpPr txBox="1"/>
+          <p:nvPr/>
+        </p:nvSpPr>
+        <p:spPr>
+          <a:xfrm>
+            <a:off x="6934200" y="762000"/>
+            <a:ext cx="1676400" cy="1477328"/>
+          </a:xfrm>
+          <a:prstGeom prst="rect">
+            <a:avLst/>
+          </a:prstGeom>
+          <a:solidFill>
+            <a:schemeClr val="bg1"/>
+          </a:solidFill>
+          <a:ln>
+            <a:solidFill>
+              <a:schemeClr val="tx1"/>
+            </a:solidFill>
+          </a:ln>
+        </p:spPr>
+        <p:txBody>
+          <a:bodyPr wrap="square" rtlCol="0">
+            <a:spAutoFit/>
+          </a:bodyPr>
+          <a:lstStyle/>
+          <a:p>
+            <a:r>
+              <a:rPr lang="en-US" dirty="0" smtClean="0"/>
+              <a:t>Time</a:t>
+            </a:r>
+          </a:p>
+          <a:p>
+            <a:pPr algn="ctr"/>
+            <a:r>
+              <a:rPr lang="en-US" dirty="0" smtClean="0"/>
+              <a:t>1100 – Green</a:t>
+            </a:r>
+          </a:p>
+          <a:p>
+            <a:pPr algn="ctr"/>
+            <a:r>
+              <a:rPr lang="en-US" dirty="0" smtClean="0"/>
+              <a:t>1200 – Green</a:t>
+            </a:r>
+          </a:p>
+          <a:p>
+            <a:pPr algn="ctr"/>
+            <a:r>
+              <a:rPr lang="en-US" dirty="0" smtClean="0"/>
+              <a:t>   1238 – Red   □</a:t>
+            </a:r>
+          </a:p>
+          <a:p>
+            <a:pPr algn="ctr"/>
+            <a:r>
+              <a:rPr lang="en-US" dirty="0" smtClean="0"/>
+              <a:t>└ </a:t>
+            </a:r>
+            <a:r>
+              <a:rPr lang="en-US" sz="800" dirty="0" smtClean="0"/>
+              <a:t>Location/Chemical</a:t>
+            </a:r>
+            <a:endParaRPr lang="en-US" sz="800" dirty="0"/>
           </a:p>
         </p:txBody>
       </p:sp>
